--- a/UNO/Storyboard.pptx
+++ b/UNO/Storyboard.pptx
@@ -302,7 +302,7 @@
           <a:p>
             <a:fld id="{EA0993B6-793D-46EF-8B21-42FEF1A83B0C}" type="datetimeFigureOut">
               <a:rPr lang="en-US" smtClean="0"/>
-              <a:t>2/19/2023</a:t>
+              <a:t>3/25/2023</a:t>
             </a:fld>
             <a:endParaRPr lang="en-US"/>
           </a:p>
@@ -470,7 +470,7 @@
           <a:p>
             <a:fld id="{EA0993B6-793D-46EF-8B21-42FEF1A83B0C}" type="datetimeFigureOut">
               <a:rPr lang="en-US" smtClean="0"/>
-              <a:t>2/19/2023</a:t>
+              <a:t>3/25/2023</a:t>
             </a:fld>
             <a:endParaRPr lang="en-US"/>
           </a:p>
@@ -648,7 +648,7 @@
           <a:p>
             <a:fld id="{EA0993B6-793D-46EF-8B21-42FEF1A83B0C}" type="datetimeFigureOut">
               <a:rPr lang="en-US" smtClean="0"/>
-              <a:t>2/19/2023</a:t>
+              <a:t>3/25/2023</a:t>
             </a:fld>
             <a:endParaRPr lang="en-US"/>
           </a:p>
@@ -816,7 +816,7 @@
           <a:p>
             <a:fld id="{EA0993B6-793D-46EF-8B21-42FEF1A83B0C}" type="datetimeFigureOut">
               <a:rPr lang="en-US" smtClean="0"/>
-              <a:t>2/19/2023</a:t>
+              <a:t>3/25/2023</a:t>
             </a:fld>
             <a:endParaRPr lang="en-US"/>
           </a:p>
@@ -1061,7 +1061,7 @@
           <a:p>
             <a:fld id="{EA0993B6-793D-46EF-8B21-42FEF1A83B0C}" type="datetimeFigureOut">
               <a:rPr lang="en-US" smtClean="0"/>
-              <a:t>2/19/2023</a:t>
+              <a:t>3/25/2023</a:t>
             </a:fld>
             <a:endParaRPr lang="en-US"/>
           </a:p>
@@ -1346,7 +1346,7 @@
           <a:p>
             <a:fld id="{EA0993B6-793D-46EF-8B21-42FEF1A83B0C}" type="datetimeFigureOut">
               <a:rPr lang="en-US" smtClean="0"/>
-              <a:t>2/19/2023</a:t>
+              <a:t>3/25/2023</a:t>
             </a:fld>
             <a:endParaRPr lang="en-US"/>
           </a:p>
@@ -1765,7 +1765,7 @@
           <a:p>
             <a:fld id="{EA0993B6-793D-46EF-8B21-42FEF1A83B0C}" type="datetimeFigureOut">
               <a:rPr lang="en-US" smtClean="0"/>
-              <a:t>2/19/2023</a:t>
+              <a:t>3/25/2023</a:t>
             </a:fld>
             <a:endParaRPr lang="en-US"/>
           </a:p>
@@ -1882,7 +1882,7 @@
           <a:p>
             <a:fld id="{EA0993B6-793D-46EF-8B21-42FEF1A83B0C}" type="datetimeFigureOut">
               <a:rPr lang="en-US" smtClean="0"/>
-              <a:t>2/19/2023</a:t>
+              <a:t>3/25/2023</a:t>
             </a:fld>
             <a:endParaRPr lang="en-US"/>
           </a:p>
@@ -1977,7 +1977,7 @@
           <a:p>
             <a:fld id="{EA0993B6-793D-46EF-8B21-42FEF1A83B0C}" type="datetimeFigureOut">
               <a:rPr lang="en-US" smtClean="0"/>
-              <a:t>2/19/2023</a:t>
+              <a:t>3/25/2023</a:t>
             </a:fld>
             <a:endParaRPr lang="en-US"/>
           </a:p>
@@ -2252,7 +2252,7 @@
           <a:p>
             <a:fld id="{EA0993B6-793D-46EF-8B21-42FEF1A83B0C}" type="datetimeFigureOut">
               <a:rPr lang="en-US" smtClean="0"/>
-              <a:t>2/19/2023</a:t>
+              <a:t>3/25/2023</a:t>
             </a:fld>
             <a:endParaRPr lang="en-US"/>
           </a:p>
@@ -2504,7 +2504,7 @@
           <a:p>
             <a:fld id="{EA0993B6-793D-46EF-8B21-42FEF1A83B0C}" type="datetimeFigureOut">
               <a:rPr lang="en-US" smtClean="0"/>
-              <a:t>2/19/2023</a:t>
+              <a:t>3/25/2023</a:t>
             </a:fld>
             <a:endParaRPr lang="en-US"/>
           </a:p>
@@ -2715,7 +2715,7 @@
           <a:p>
             <a:fld id="{EA0993B6-793D-46EF-8B21-42FEF1A83B0C}" type="datetimeFigureOut">
               <a:rPr lang="en-US" smtClean="0"/>
-              <a:t>2/19/2023</a:t>
+              <a:t>3/25/2023</a:t>
             </a:fld>
             <a:endParaRPr lang="en-US"/>
           </a:p>
@@ -3465,42 +3465,6 @@
           </a:p>
         </p:txBody>
       </p:sp>
-      <p:pic>
-        <p:nvPicPr>
-          <p:cNvPr id="5" name="Picture 4" descr="Diagram&#10;&#10;Description automatically generated">
-            <a:extLst>
-              <a:ext uri="{FF2B5EF4-FFF2-40B4-BE49-F238E27FC236}">
-                <a16:creationId xmlns:a16="http://schemas.microsoft.com/office/drawing/2014/main" id="{299209D7-8D12-7EA4-C708-744CA8120231}"/>
-              </a:ext>
-            </a:extLst>
-          </p:cNvPr>
-          <p:cNvPicPr>
-            <a:picLocks noChangeAspect="1"/>
-          </p:cNvPicPr>
-          <p:nvPr/>
-        </p:nvPicPr>
-        <p:blipFill>
-          <a:blip r:embed="rId3" cstate="print">
-            <a:extLst>
-              <a:ext uri="{28A0092B-C50C-407E-A947-70E740481C1C}">
-                <a14:useLocalDpi xmlns:a14="http://schemas.microsoft.com/office/drawing/2010/main" val="0"/>
-              </a:ext>
-            </a:extLst>
-          </a:blip>
-          <a:stretch>
-            <a:fillRect/>
-          </a:stretch>
-        </p:blipFill>
-        <p:spPr>
-          <a:xfrm>
-            <a:off x="1212490" y="344037"/>
-            <a:ext cx="652075" cy="1539089"/>
-          </a:xfrm>
-          <a:prstGeom prst="rect">
-            <a:avLst/>
-          </a:prstGeom>
-        </p:spPr>
-      </p:pic>
       <p:sp>
         <p:nvSpPr>
           <p:cNvPr id="6" name="TextBox 5">
@@ -3516,7 +3480,7 @@
         <p:spPr>
           <a:xfrm>
             <a:off x="311257" y="1960929"/>
-            <a:ext cx="2428283" cy="830997"/>
+            <a:ext cx="2428283" cy="646331"/>
           </a:xfrm>
           <a:prstGeom prst="rect">
             <a:avLst/>
@@ -3531,7 +3495,7 @@
           <a:p>
             <a:r>
               <a:rPr lang="en-US" sz="1200" dirty="0"/>
-              <a:t>The game starts with shuffling the deck and then dealing each player 7 card. Flip the first card of the deck then the game begins.</a:t>
+              <a:t>The game starts with the interface asking the user to enter the names of the players </a:t>
             </a:r>
           </a:p>
         </p:txBody>
@@ -3551,7 +3515,7 @@
         <p:spPr>
           <a:xfrm>
             <a:off x="3220745" y="1942577"/>
-            <a:ext cx="2267486" cy="938719"/>
+            <a:ext cx="2267486" cy="600164"/>
           </a:xfrm>
           <a:prstGeom prst="rect">
             <a:avLst/>
@@ -3566,83 +3530,11 @@
           <a:p>
             <a:r>
               <a:rPr lang="en-US" sz="1100" dirty="0"/>
-              <a:t>The first player sees if they can play a card then decides if they would like  to play it or not. If not they draw a card and check if that can be played and if it can they play it.</a:t>
-            </a:r>
-          </a:p>
-        </p:txBody>
-      </p:sp>
-      <p:pic>
-        <p:nvPicPr>
-          <p:cNvPr id="9" name="Picture 8" descr="Diagram&#10;&#10;Description automatically generated">
-            <a:extLst>
-              <a:ext uri="{FF2B5EF4-FFF2-40B4-BE49-F238E27FC236}">
-                <a16:creationId xmlns:a16="http://schemas.microsoft.com/office/drawing/2014/main" id="{2467949E-AA99-C502-CD05-DE743F8728EB}"/>
-              </a:ext>
-            </a:extLst>
-          </p:cNvPr>
-          <p:cNvPicPr>
-            <a:picLocks noChangeAspect="1"/>
-          </p:cNvPicPr>
-          <p:nvPr/>
-        </p:nvPicPr>
-        <p:blipFill>
-          <a:blip r:embed="rId4" cstate="print">
-            <a:extLst>
-              <a:ext uri="{28A0092B-C50C-407E-A947-70E740481C1C}">
-                <a14:useLocalDpi xmlns:a14="http://schemas.microsoft.com/office/drawing/2010/main" val="0"/>
-              </a:ext>
-            </a:extLst>
-          </a:blip>
-          <a:stretch>
-            <a:fillRect/>
-          </a:stretch>
-        </p:blipFill>
-        <p:spPr>
-          <a:xfrm>
-            <a:off x="3580195" y="443251"/>
-            <a:ext cx="1678297" cy="1430028"/>
-          </a:xfrm>
-          <a:prstGeom prst="rect">
-            <a:avLst/>
-          </a:prstGeom>
-        </p:spPr>
-      </p:pic>
-      <p:pic>
-        <p:nvPicPr>
-          <p:cNvPr id="17" name="Picture 16" descr="Diagram&#10;&#10;Description automatically generated">
-            <a:extLst>
-              <a:ext uri="{FF2B5EF4-FFF2-40B4-BE49-F238E27FC236}">
-                <a16:creationId xmlns:a16="http://schemas.microsoft.com/office/drawing/2014/main" id="{FF4C0908-E044-3F81-3BE6-8A075782821E}"/>
-              </a:ext>
-            </a:extLst>
-          </p:cNvPr>
-          <p:cNvPicPr>
-            <a:picLocks noChangeAspect="1"/>
-          </p:cNvPicPr>
-          <p:nvPr/>
-        </p:nvPicPr>
-        <p:blipFill>
-          <a:blip r:embed="rId5" cstate="print">
-            <a:extLst>
-              <a:ext uri="{28A0092B-C50C-407E-A947-70E740481C1C}">
-                <a14:useLocalDpi xmlns:a14="http://schemas.microsoft.com/office/drawing/2010/main" val="0"/>
-              </a:ext>
-            </a:extLst>
-          </a:blip>
-          <a:stretch>
-            <a:fillRect/>
-          </a:stretch>
-        </p:blipFill>
-        <p:spPr>
-          <a:xfrm>
-            <a:off x="7145424" y="169118"/>
-            <a:ext cx="577251" cy="1888925"/>
-          </a:xfrm>
-          <a:prstGeom prst="rect">
-            <a:avLst/>
-          </a:prstGeom>
-        </p:spPr>
-      </p:pic>
+              <a:t>The user can then start the game and choose a card to play or to draw a card</a:t>
+            </a:r>
+          </a:p>
+        </p:txBody>
+      </p:sp>
       <p:sp>
         <p:nvSpPr>
           <p:cNvPr id="21" name="TextBox 20">
@@ -3658,7 +3550,7 @@
         <p:spPr>
           <a:xfrm>
             <a:off x="6251755" y="1842805"/>
-            <a:ext cx="2267486" cy="938719"/>
+            <a:ext cx="2267486" cy="430887"/>
           </a:xfrm>
           <a:prstGeom prst="rect">
             <a:avLst/>
@@ -3673,47 +3565,11 @@
           <a:p>
             <a:r>
               <a:rPr lang="en-US" sz="1100" dirty="0"/>
-              <a:t>Checks if the card played was an action card and if it is it moves to the next step and if it wasn’t the turn is over. If the player never played a card the turn also ends.</a:t>
-            </a:r>
-          </a:p>
-        </p:txBody>
-      </p:sp>
-      <p:pic>
-        <p:nvPicPr>
-          <p:cNvPr id="23" name="Picture 22" descr="Diagram&#10;&#10;Description automatically generated">
-            <a:extLst>
-              <a:ext uri="{FF2B5EF4-FFF2-40B4-BE49-F238E27FC236}">
-                <a16:creationId xmlns:a16="http://schemas.microsoft.com/office/drawing/2014/main" id="{F2397103-1B05-CB9F-D6AB-7CA989578020}"/>
-              </a:ext>
-            </a:extLst>
-          </p:cNvPr>
-          <p:cNvPicPr>
-            <a:picLocks noChangeAspect="1"/>
-          </p:cNvPicPr>
-          <p:nvPr/>
-        </p:nvPicPr>
-        <p:blipFill>
-          <a:blip r:embed="rId6" cstate="print">
-            <a:extLst>
-              <a:ext uri="{28A0092B-C50C-407E-A947-70E740481C1C}">
-                <a14:useLocalDpi xmlns:a14="http://schemas.microsoft.com/office/drawing/2010/main" val="0"/>
-              </a:ext>
-            </a:extLst>
-          </a:blip>
-          <a:stretch>
-            <a:fillRect/>
-          </a:stretch>
-        </p:blipFill>
-        <p:spPr>
-          <a:xfrm>
-            <a:off x="720308" y="2773393"/>
-            <a:ext cx="1481886" cy="1384536"/>
-          </a:xfrm>
-          <a:prstGeom prst="rect">
-            <a:avLst/>
-          </a:prstGeom>
-        </p:spPr>
-      </p:pic>
+              <a:t>The user picks the card and can chooser to use it or cancel it</a:t>
+            </a:r>
+          </a:p>
+        </p:txBody>
+      </p:sp>
       <p:sp>
         <p:nvSpPr>
           <p:cNvPr id="26" name="TextBox 25">
@@ -3729,7 +3585,7 @@
         <p:spPr>
           <a:xfrm>
             <a:off x="247109" y="4169226"/>
-            <a:ext cx="2428283" cy="1015663"/>
+            <a:ext cx="2428283" cy="830997"/>
           </a:xfrm>
           <a:prstGeom prst="rect">
             <a:avLst/>
@@ -3744,47 +3600,11 @@
           <a:p>
             <a:r>
               <a:rPr lang="en-US" sz="1200" dirty="0"/>
-              <a:t>It checks what action card it is an performs the action.  Also it check if the next player in the order has the same type of card to stack. After that it performs the action</a:t>
-            </a:r>
-          </a:p>
-        </p:txBody>
-      </p:sp>
-      <p:pic>
-        <p:nvPicPr>
-          <p:cNvPr id="43" name="Picture 42" descr="Diagram&#10;&#10;Description automatically generated">
-            <a:extLst>
-              <a:ext uri="{FF2B5EF4-FFF2-40B4-BE49-F238E27FC236}">
-                <a16:creationId xmlns:a16="http://schemas.microsoft.com/office/drawing/2014/main" id="{665DB03F-E210-3B52-5570-4A36403FA99F}"/>
-              </a:ext>
-            </a:extLst>
-          </p:cNvPr>
-          <p:cNvPicPr>
-            <a:picLocks noChangeAspect="1"/>
-          </p:cNvPicPr>
-          <p:nvPr/>
-        </p:nvPicPr>
-        <p:blipFill>
-          <a:blip r:embed="rId7">
-            <a:extLst>
-              <a:ext uri="{28A0092B-C50C-407E-A947-70E740481C1C}">
-                <a14:useLocalDpi xmlns:a14="http://schemas.microsoft.com/office/drawing/2010/main" val="0"/>
-              </a:ext>
-            </a:extLst>
-          </a:blip>
-          <a:stretch>
-            <a:fillRect/>
-          </a:stretch>
-        </p:blipFill>
-        <p:spPr>
-          <a:xfrm>
-            <a:off x="3490759" y="2825636"/>
-            <a:ext cx="2129353" cy="1384536"/>
-          </a:xfrm>
-          <a:prstGeom prst="rect">
-            <a:avLst/>
-          </a:prstGeom>
-        </p:spPr>
-      </p:pic>
+              <a:t>When the user plays the card it says if it was a valid card, invalid card, or what the action was if there was one</a:t>
+            </a:r>
+          </a:p>
+        </p:txBody>
+      </p:sp>
       <p:sp>
         <p:nvSpPr>
           <p:cNvPr id="44" name="TextBox 43">
@@ -3815,47 +3635,11 @@
           <a:p>
             <a:r>
               <a:rPr lang="en-US" sz="1200" dirty="0"/>
-              <a:t>It checks if the card that was played was that players last card and if it was they win</a:t>
-            </a:r>
-          </a:p>
-        </p:txBody>
-      </p:sp>
-      <p:pic>
-        <p:nvPicPr>
-          <p:cNvPr id="46" name="Picture 45" descr="Diagram&#10;&#10;Description automatically generated">
-            <a:extLst>
-              <a:ext uri="{FF2B5EF4-FFF2-40B4-BE49-F238E27FC236}">
-                <a16:creationId xmlns:a16="http://schemas.microsoft.com/office/drawing/2014/main" id="{7734F549-3969-9B4F-9E85-294A7C8941C7}"/>
-              </a:ext>
-            </a:extLst>
-          </p:cNvPr>
-          <p:cNvPicPr>
-            <a:picLocks noChangeAspect="1"/>
-          </p:cNvPicPr>
-          <p:nvPr/>
-        </p:nvPicPr>
-        <p:blipFill>
-          <a:blip r:embed="rId8" cstate="print">
-            <a:extLst>
-              <a:ext uri="{28A0092B-C50C-407E-A947-70E740481C1C}">
-                <a14:useLocalDpi xmlns:a14="http://schemas.microsoft.com/office/drawing/2010/main" val="0"/>
-              </a:ext>
-            </a:extLst>
-          </a:blip>
-          <a:stretch>
-            <a:fillRect/>
-          </a:stretch>
-        </p:blipFill>
-        <p:spPr>
-          <a:xfrm>
-            <a:off x="6086318" y="2923228"/>
-            <a:ext cx="2761407" cy="777385"/>
-          </a:xfrm>
-          <a:prstGeom prst="rect">
-            <a:avLst/>
-          </a:prstGeom>
-        </p:spPr>
-      </p:pic>
+              <a:t>The game then moves to the next player up and continues to play the game </a:t>
+            </a:r>
+          </a:p>
+        </p:txBody>
+      </p:sp>
       <p:sp>
         <p:nvSpPr>
           <p:cNvPr id="47" name="TextBox 46">
@@ -3886,13 +3670,8 @@
           <a:p>
             <a:r>
               <a:rPr lang="en-US" sz="1200" dirty="0"/>
-              <a:t>It then moves on to the next player and </a:t>
-            </a:r>
-            <a:r>
-              <a:rPr lang="en-US" sz="1200"/>
-              <a:t>starts over again</a:t>
-            </a:r>
-            <a:endParaRPr lang="en-US" sz="1200" dirty="0"/>
+              <a:t>The users keep playing until the game is done</a:t>
+            </a:r>
           </a:p>
         </p:txBody>
       </p:sp>
@@ -4195,9 +3974,12 @@
 </file>
 
 <file path=customXml/item1.xml><?xml version="1.0" encoding="utf-8"?>
-<p:properties xmlns:p="http://schemas.microsoft.com/office/2006/metadata/properties" xmlns:xsi="http://www.w3.org/2001/XMLSchema-instance" xmlns:pc="http://schemas.microsoft.com/office/infopath/2007/PartnerControls">
-  <documentManagement/>
-</p:properties>
+<?mso-contentType ?>
+<FormTemplates xmlns="http://schemas.microsoft.com/sharepoint/v3/contenttype/forms">
+  <Display>DocumentLibraryForm</Display>
+  <Edit>DocumentLibraryForm</Edit>
+  <New>DocumentLibraryForm</New>
+</FormTemplates>
 </file>
 
 <file path=customXml/item2.xml><?xml version="1.0" encoding="utf-8"?>
@@ -4315,27 +4097,15 @@
 </file>
 
 <file path=customXml/item3.xml><?xml version="1.0" encoding="utf-8"?>
-<?mso-contentType ?>
-<FormTemplates xmlns="http://schemas.microsoft.com/sharepoint/v3/contenttype/forms">
-  <Display>DocumentLibraryForm</Display>
-  <Edit>DocumentLibraryForm</Edit>
-  <New>DocumentLibraryForm</New>
-</FormTemplates>
+<p:properties xmlns:p="http://schemas.microsoft.com/office/2006/metadata/properties" xmlns:xsi="http://www.w3.org/2001/XMLSchema-instance" xmlns:pc="http://schemas.microsoft.com/office/infopath/2007/PartnerControls">
+  <documentManagement/>
+</p:properties>
 </file>
 
 <file path=customXml/itemProps1.xml><?xml version="1.0" encoding="utf-8"?>
-<ds:datastoreItem xmlns:ds="http://schemas.openxmlformats.org/officeDocument/2006/customXml" ds:itemID="{1DD388E0-D843-4335-8AD0-9CC4CC8C5822}">
+<ds:datastoreItem xmlns:ds="http://schemas.openxmlformats.org/officeDocument/2006/customXml" ds:itemID="{B9E4E9B7-8BDE-497C-84C0-E61885B19AD2}">
   <ds:schemaRefs>
-    <ds:schemaRef ds:uri="http://schemas.openxmlformats.org/package/2006/metadata/core-properties"/>
-    <ds:schemaRef ds:uri="http://purl.org/dc/terms/"/>
-    <ds:schemaRef ds:uri="30a82cfc-8d0b-455e-b705-4035c60ff9fd"/>
-    <ds:schemaRef ds:uri="http://schemas.microsoft.com/office/2006/documentManagement/types"/>
-    <ds:schemaRef ds:uri="http://schemas.microsoft.com/office/infopath/2007/PartnerControls"/>
-    <ds:schemaRef ds:uri="http://purl.org/dc/elements/1.1/"/>
-    <ds:schemaRef ds:uri="http://schemas.microsoft.com/sharepoint/v3"/>
-    <ds:schemaRef ds:uri="http://schemas.microsoft.com/office/2006/metadata/properties"/>
-    <ds:schemaRef ds:uri="http://www.w3.org/XML/1998/namespace"/>
-    <ds:schemaRef ds:uri="http://purl.org/dc/dcmitype/"/>
+    <ds:schemaRef ds:uri="http://schemas.microsoft.com/sharepoint/v3/contenttype/forms"/>
   </ds:schemaRefs>
 </ds:datastoreItem>
 </file>
@@ -4357,9 +4127,18 @@
 </file>
 
 <file path=customXml/itemProps3.xml><?xml version="1.0" encoding="utf-8"?>
-<ds:datastoreItem xmlns:ds="http://schemas.openxmlformats.org/officeDocument/2006/customXml" ds:itemID="{B9E4E9B7-8BDE-497C-84C0-E61885B19AD2}">
+<ds:datastoreItem xmlns:ds="http://schemas.openxmlformats.org/officeDocument/2006/customXml" ds:itemID="{1DD388E0-D843-4335-8AD0-9CC4CC8C5822}">
   <ds:schemaRefs>
-    <ds:schemaRef ds:uri="http://schemas.microsoft.com/sharepoint/v3/contenttype/forms"/>
+    <ds:schemaRef ds:uri="http://schemas.openxmlformats.org/package/2006/metadata/core-properties"/>
+    <ds:schemaRef ds:uri="http://purl.org/dc/terms/"/>
+    <ds:schemaRef ds:uri="30a82cfc-8d0b-455e-b705-4035c60ff9fd"/>
+    <ds:schemaRef ds:uri="http://schemas.microsoft.com/office/2006/documentManagement/types"/>
+    <ds:schemaRef ds:uri="http://schemas.microsoft.com/office/infopath/2007/PartnerControls"/>
+    <ds:schemaRef ds:uri="http://purl.org/dc/elements/1.1/"/>
+    <ds:schemaRef ds:uri="http://schemas.microsoft.com/sharepoint/v3"/>
+    <ds:schemaRef ds:uri="http://schemas.microsoft.com/office/2006/metadata/properties"/>
+    <ds:schemaRef ds:uri="http://www.w3.org/XML/1998/namespace"/>
+    <ds:schemaRef ds:uri="http://purl.org/dc/dcmitype/"/>
   </ds:schemaRefs>
 </ds:datastoreItem>
 </file>